--- a/presentations/Session_3_Polyglot_Persist.pptx
+++ b/presentations/Session_3_Polyglot_Persist.pptx
@@ -149,7 +149,7 @@
       </p14:sectionLst>
     </p:ext>
     <p:ext uri="{EFAFB233-063F-42B5-8137-9DF3F51BA10A}">
-      <p15:sldGuideLst xmlns:p15="http://schemas.microsoft.com/office/powerpoint/2012/main" xmlns="">
+      <p15:sldGuideLst xmlns="" xmlns:p15="http://schemas.microsoft.com/office/powerpoint/2012/main">
         <p15:guide id="1" orient="horz" pos="1620">
           <p15:clr>
             <a:srgbClr val="A4A3A4"/>
@@ -248,7 +248,7 @@
           <a:p>
             <a:fld id="{372E5B6B-8713-8747-AE5B-F1241B2BF5F0}" type="datetimeFigureOut">
               <a:rPr lang="en-US" smtClean="0"/>
-              <a:t>11/1/17</a:t>
+              <a:t>4/24/18</a:t>
             </a:fld>
             <a:endParaRPr lang="en-US" dirty="0"/>
           </a:p>
@@ -414,7 +414,7 @@
           <a:p>
             <a:fld id="{7E7B7340-DDD5-1B49-81AA-25BC4050C073}" type="datetimeFigureOut">
               <a:rPr lang="en-US" smtClean="0"/>
-              <a:t>11/1/17</a:t>
+              <a:t>4/24/18</a:t>
             </a:fld>
             <a:endParaRPr lang="en-US" dirty="0"/>
           </a:p>
@@ -11340,7 +11340,15 @@
             </a:pPr>
             <a:r>
               <a:rPr lang="en-US" sz="1400" dirty="0" smtClean="0"/>
-              <a:t>Add a method “findByStateCode” to our CityRepository that defines an custom query using @Query notation and takes an @Param argument for the stateCode</a:t>
+              <a:t>Add a method “findByStateCode” to our CityRepository that defines </a:t>
+            </a:r>
+            <a:r>
+              <a:rPr lang="en-US" sz="1400" dirty="0" smtClean="0"/>
+              <a:t>a </a:t>
+            </a:r>
+            <a:r>
+              <a:rPr lang="en-US" sz="1400" dirty="0" smtClean="0"/>
+              <a:t>custom query using @Query notation and takes an @Param argument for the stateCode</a:t>
             </a:r>
           </a:p>
         </p:txBody>
